--- a/Session-01-Brief_introduction_to_bioinformatics_and_related_tools/01-01-Introduction_to_bash/01-01-Introduction_to_bash.pptx
+++ b/Session-01-Brief_introduction_to_bioinformatics_and_related_tools/01-01-Introduction_to_bash/01-01-Introduction_to_bash.pptx
@@ -122,7 +122,7 @@
 <file path=ppt/revisionInfo.xml><?xml version="1.0" encoding="utf-8"?>
 <p1510:revInfo xmlns:a="http://schemas.openxmlformats.org/drawingml/2006/main" xmlns:r="http://schemas.openxmlformats.org/officeDocument/2006/relationships" xmlns:p1510="http://schemas.microsoft.com/office/powerpoint/2015/10/main">
   <p1510:revLst>
-    <p1510:client id="{76A5D35A-EBEA-491C-9C9F-EA983E87E1D5}" v="373" dt="2023-10-26T11:09:02.051"/>
+    <p1510:client id="{76A5D35A-EBEA-491C-9C9F-EA983E87E1D5}" v="382" dt="2023-11-11T06:37:02.028"/>
   </p1510:revLst>
 </p1510:revInfo>
 </file>
@@ -132,7 +132,7 @@
   <pc:docChgLst>
     <pc:chgData name="John Bennedick Quijano" userId="edb3d445-3dba-4f62-8077-bafdc7822d72" providerId="ADAL" clId="{76A5D35A-EBEA-491C-9C9F-EA983E87E1D5}"/>
     <pc:docChg chg="undo redo custSel addSld delSld modSld sldOrd">
-      <pc:chgData name="John Bennedick Quijano" userId="edb3d445-3dba-4f62-8077-bafdc7822d72" providerId="ADAL" clId="{76A5D35A-EBEA-491C-9C9F-EA983E87E1D5}" dt="2023-10-26T11:09:25.046" v="1692" actId="20577"/>
+      <pc:chgData name="John Bennedick Quijano" userId="edb3d445-3dba-4f62-8077-bafdc7822d72" providerId="ADAL" clId="{76A5D35A-EBEA-491C-9C9F-EA983E87E1D5}" dt="2023-11-11T06:37:02.027" v="1708" actId="1076"/>
       <pc:docMkLst>
         <pc:docMk/>
       </pc:docMkLst>
@@ -368,7 +368,7 @@
         </pc:spChg>
       </pc:sldChg>
       <pc:sldChg chg="addSp delSp modSp add mod ord modAnim">
-        <pc:chgData name="John Bennedick Quijano" userId="edb3d445-3dba-4f62-8077-bafdc7822d72" providerId="ADAL" clId="{76A5D35A-EBEA-491C-9C9F-EA983E87E1D5}" dt="2023-10-26T10:51:03.345" v="1643" actId="20577"/>
+        <pc:chgData name="John Bennedick Quijano" userId="edb3d445-3dba-4f62-8077-bafdc7822d72" providerId="ADAL" clId="{76A5D35A-EBEA-491C-9C9F-EA983E87E1D5}" dt="2023-11-11T06:37:02.027" v="1708" actId="1076"/>
         <pc:sldMkLst>
           <pc:docMk/>
           <pc:sldMk cId="134515729" sldId="266"/>
@@ -389,16 +389,16 @@
             <ac:spMk id="3" creationId="{1472F122-BE72-8773-18BE-CC6CFFA2E638}"/>
           </ac:spMkLst>
         </pc:spChg>
-        <pc:spChg chg="add mod">
-          <ac:chgData name="John Bennedick Quijano" userId="edb3d445-3dba-4f62-8077-bafdc7822d72" providerId="ADAL" clId="{76A5D35A-EBEA-491C-9C9F-EA983E87E1D5}" dt="2023-10-26T09:47:58.275" v="929" actId="164"/>
+        <pc:spChg chg="add mod ord topLvl">
+          <ac:chgData name="John Bennedick Quijano" userId="edb3d445-3dba-4f62-8077-bafdc7822d72" providerId="ADAL" clId="{76A5D35A-EBEA-491C-9C9F-EA983E87E1D5}" dt="2023-11-11T06:36:58.458" v="1707" actId="1076"/>
           <ac:spMkLst>
             <pc:docMk/>
             <pc:sldMk cId="134515729" sldId="266"/>
             <ac:spMk id="7" creationId="{2EB3D16D-9F1A-C21A-7281-4C622A89AC3E}"/>
           </ac:spMkLst>
         </pc:spChg>
-        <pc:spChg chg="add mod">
-          <ac:chgData name="John Bennedick Quijano" userId="edb3d445-3dba-4f62-8077-bafdc7822d72" providerId="ADAL" clId="{76A5D35A-EBEA-491C-9C9F-EA983E87E1D5}" dt="2023-10-26T09:47:59.435" v="930" actId="164"/>
+        <pc:spChg chg="add mod topLvl">
+          <ac:chgData name="John Bennedick Quijano" userId="edb3d445-3dba-4f62-8077-bafdc7822d72" providerId="ADAL" clId="{76A5D35A-EBEA-491C-9C9F-EA983E87E1D5}" dt="2023-11-11T06:37:02.027" v="1708" actId="1076"/>
           <ac:spMkLst>
             <pc:docMk/>
             <pc:sldMk cId="134515729" sldId="266"/>
@@ -454,15 +454,31 @@
           </ac:spMkLst>
         </pc:spChg>
         <pc:grpChg chg="add mod">
-          <ac:chgData name="John Bennedick Quijano" userId="edb3d445-3dba-4f62-8077-bafdc7822d72" providerId="ADAL" clId="{76A5D35A-EBEA-491C-9C9F-EA983E87E1D5}" dt="2023-10-26T09:47:58.275" v="929" actId="164"/>
+          <ac:chgData name="John Bennedick Quijano" userId="edb3d445-3dba-4f62-8077-bafdc7822d72" providerId="ADAL" clId="{76A5D35A-EBEA-491C-9C9F-EA983E87E1D5}" dt="2023-11-11T06:36:58.458" v="1707" actId="1076"/>
+          <ac:grpSpMkLst>
+            <pc:docMk/>
+            <pc:sldMk cId="134515729" sldId="266"/>
+            <ac:grpSpMk id="4" creationId="{0B443C01-14F4-30A7-A11C-6F9F81DA5938}"/>
+          </ac:grpSpMkLst>
+        </pc:grpChg>
+        <pc:grpChg chg="add mod">
+          <ac:chgData name="John Bennedick Quijano" userId="edb3d445-3dba-4f62-8077-bafdc7822d72" providerId="ADAL" clId="{76A5D35A-EBEA-491C-9C9F-EA983E87E1D5}" dt="2023-11-11T06:37:02.027" v="1708" actId="1076"/>
+          <ac:grpSpMkLst>
+            <pc:docMk/>
+            <pc:sldMk cId="134515729" sldId="266"/>
+            <ac:grpSpMk id="6" creationId="{32F9E294-1EDE-A199-E043-ED4342DA2AC3}"/>
+          </ac:grpSpMkLst>
+        </pc:grpChg>
+        <pc:grpChg chg="add del mod">
+          <ac:chgData name="John Bennedick Quijano" userId="edb3d445-3dba-4f62-8077-bafdc7822d72" providerId="ADAL" clId="{76A5D35A-EBEA-491C-9C9F-EA983E87E1D5}" dt="2023-11-11T06:36:32.491" v="1696" actId="165"/>
           <ac:grpSpMkLst>
             <pc:docMk/>
             <pc:sldMk cId="134515729" sldId="266"/>
             <ac:grpSpMk id="12" creationId="{19E40850-1955-E3D7-22B6-85D0450019A2}"/>
           </ac:grpSpMkLst>
         </pc:grpChg>
-        <pc:grpChg chg="add mod">
-          <ac:chgData name="John Bennedick Quijano" userId="edb3d445-3dba-4f62-8077-bafdc7822d72" providerId="ADAL" clId="{76A5D35A-EBEA-491C-9C9F-EA983E87E1D5}" dt="2023-10-26T09:47:59.435" v="930" actId="164"/>
+        <pc:grpChg chg="add del mod">
+          <ac:chgData name="John Bennedick Quijano" userId="edb3d445-3dba-4f62-8077-bafdc7822d72" providerId="ADAL" clId="{76A5D35A-EBEA-491C-9C9F-EA983E87E1D5}" dt="2023-11-11T06:36:31.791" v="1695" actId="165"/>
           <ac:grpSpMkLst>
             <pc:docMk/>
             <pc:sldMk cId="134515729" sldId="266"/>
@@ -477,16 +493,16 @@
             <ac:picMk id="4" creationId="{C326061C-3415-4BA9-EF75-75AD5F1A7F3C}"/>
           </ac:picMkLst>
         </pc:picChg>
-        <pc:picChg chg="add mod">
-          <ac:chgData name="John Bennedick Quijano" userId="edb3d445-3dba-4f62-8077-bafdc7822d72" providerId="ADAL" clId="{76A5D35A-EBEA-491C-9C9F-EA983E87E1D5}" dt="2023-10-26T09:47:59.435" v="930" actId="164"/>
+        <pc:picChg chg="add mod topLvl">
+          <ac:chgData name="John Bennedick Quijano" userId="edb3d445-3dba-4f62-8077-bafdc7822d72" providerId="ADAL" clId="{76A5D35A-EBEA-491C-9C9F-EA983E87E1D5}" dt="2023-11-11T06:36:58.458" v="1707" actId="1076"/>
           <ac:picMkLst>
             <pc:docMk/>
             <pc:sldMk cId="134515729" sldId="266"/>
             <ac:picMk id="5" creationId="{6BFBC4BD-500D-4D51-B136-BFDBB52D5635}"/>
           </ac:picMkLst>
         </pc:picChg>
-        <pc:picChg chg="add mod">
-          <ac:chgData name="John Bennedick Quijano" userId="edb3d445-3dba-4f62-8077-bafdc7822d72" providerId="ADAL" clId="{76A5D35A-EBEA-491C-9C9F-EA983E87E1D5}" dt="2023-10-26T09:47:58.275" v="929" actId="164"/>
+        <pc:picChg chg="add mod topLvl">
+          <ac:chgData name="John Bennedick Quijano" userId="edb3d445-3dba-4f62-8077-bafdc7822d72" providerId="ADAL" clId="{76A5D35A-EBEA-491C-9C9F-EA983E87E1D5}" dt="2023-11-11T06:37:02.027" v="1708" actId="1076"/>
           <ac:picMkLst>
             <pc:docMk/>
             <pc:sldMk cId="134515729" sldId="266"/>
@@ -827,7 +843,7 @@
           <a:p>
             <a:fld id="{513429F5-4C89-415D-8376-3A306BB49F29}" type="datetimeFigureOut">
               <a:rPr lang="en-PH" smtClean="0"/>
-              <a:t>26/10/2023</a:t>
+              <a:t>11/11/2023</a:t>
             </a:fld>
             <a:endParaRPr lang="en-PH"/>
           </a:p>
@@ -1027,7 +1043,7 @@
           <a:p>
             <a:fld id="{513429F5-4C89-415D-8376-3A306BB49F29}" type="datetimeFigureOut">
               <a:rPr lang="en-PH" smtClean="0"/>
-              <a:t>26/10/2023</a:t>
+              <a:t>11/11/2023</a:t>
             </a:fld>
             <a:endParaRPr lang="en-PH"/>
           </a:p>
@@ -1237,7 +1253,7 @@
           <a:p>
             <a:fld id="{513429F5-4C89-415D-8376-3A306BB49F29}" type="datetimeFigureOut">
               <a:rPr lang="en-PH" smtClean="0"/>
-              <a:t>26/10/2023</a:t>
+              <a:t>11/11/2023</a:t>
             </a:fld>
             <a:endParaRPr lang="en-PH"/>
           </a:p>
@@ -1437,7 +1453,7 @@
           <a:p>
             <a:fld id="{513429F5-4C89-415D-8376-3A306BB49F29}" type="datetimeFigureOut">
               <a:rPr lang="en-PH" smtClean="0"/>
-              <a:t>26/10/2023</a:t>
+              <a:t>11/11/2023</a:t>
             </a:fld>
             <a:endParaRPr lang="en-PH"/>
           </a:p>
@@ -1713,7 +1729,7 @@
           <a:p>
             <a:fld id="{513429F5-4C89-415D-8376-3A306BB49F29}" type="datetimeFigureOut">
               <a:rPr lang="en-PH" smtClean="0"/>
-              <a:t>26/10/2023</a:t>
+              <a:t>11/11/2023</a:t>
             </a:fld>
             <a:endParaRPr lang="en-PH"/>
           </a:p>
@@ -1981,7 +1997,7 @@
           <a:p>
             <a:fld id="{513429F5-4C89-415D-8376-3A306BB49F29}" type="datetimeFigureOut">
               <a:rPr lang="en-PH" smtClean="0"/>
-              <a:t>26/10/2023</a:t>
+              <a:t>11/11/2023</a:t>
             </a:fld>
             <a:endParaRPr lang="en-PH"/>
           </a:p>
@@ -2396,7 +2412,7 @@
           <a:p>
             <a:fld id="{513429F5-4C89-415D-8376-3A306BB49F29}" type="datetimeFigureOut">
               <a:rPr lang="en-PH" smtClean="0"/>
-              <a:t>26/10/2023</a:t>
+              <a:t>11/11/2023</a:t>
             </a:fld>
             <a:endParaRPr lang="en-PH"/>
           </a:p>
@@ -2538,7 +2554,7 @@
           <a:p>
             <a:fld id="{513429F5-4C89-415D-8376-3A306BB49F29}" type="datetimeFigureOut">
               <a:rPr lang="en-PH" smtClean="0"/>
-              <a:t>26/10/2023</a:t>
+              <a:t>11/11/2023</a:t>
             </a:fld>
             <a:endParaRPr lang="en-PH"/>
           </a:p>
@@ -2651,7 +2667,7 @@
           <a:p>
             <a:fld id="{513429F5-4C89-415D-8376-3A306BB49F29}" type="datetimeFigureOut">
               <a:rPr lang="en-PH" smtClean="0"/>
-              <a:t>26/10/2023</a:t>
+              <a:t>11/11/2023</a:t>
             </a:fld>
             <a:endParaRPr lang="en-PH"/>
           </a:p>
@@ -2964,7 +2980,7 @@
           <a:p>
             <a:fld id="{513429F5-4C89-415D-8376-3A306BB49F29}" type="datetimeFigureOut">
               <a:rPr lang="en-PH" smtClean="0"/>
-              <a:t>26/10/2023</a:t>
+              <a:t>11/11/2023</a:t>
             </a:fld>
             <a:endParaRPr lang="en-PH"/>
           </a:p>
@@ -3253,7 +3269,7 @@
           <a:p>
             <a:fld id="{513429F5-4C89-415D-8376-3A306BB49F29}" type="datetimeFigureOut">
               <a:rPr lang="en-PH" smtClean="0"/>
-              <a:t>26/10/2023</a:t>
+              <a:t>11/11/2023</a:t>
             </a:fld>
             <a:endParaRPr lang="en-PH"/>
           </a:p>
@@ -3496,7 +3512,7 @@
           <a:p>
             <a:fld id="{513429F5-4C89-415D-8376-3A306BB49F29}" type="datetimeFigureOut">
               <a:rPr lang="en-PH" smtClean="0"/>
-              <a:t>26/10/2023</a:t>
+              <a:t>11/11/2023</a:t>
             </a:fld>
             <a:endParaRPr lang="en-PH"/>
           </a:p>
@@ -4188,10 +4204,10 @@
       </p:sp>
       <p:grpSp>
         <p:nvGrpSpPr>
-          <p:cNvPr id="12" name="Group 11">
-            <a:extLst>
-              <a:ext uri="{FF2B5EF4-FFF2-40B4-BE49-F238E27FC236}">
-                <a16:creationId xmlns:a16="http://schemas.microsoft.com/office/drawing/2014/main" id="{19E40850-1955-E3D7-22B6-85D0450019A2}"/>
+          <p:cNvPr id="6" name="Group 5">
+            <a:extLst>
+              <a:ext uri="{FF2B5EF4-FFF2-40B4-BE49-F238E27FC236}">
+                <a16:creationId xmlns:a16="http://schemas.microsoft.com/office/drawing/2014/main" id="{32F9E294-1EDE-A199-E043-ED4342DA2AC3}"/>
               </a:ext>
             </a:extLst>
           </p:cNvPr>
@@ -4200,7 +4216,7 @@
         </p:nvGrpSpPr>
         <p:grpSpPr>
           <a:xfrm>
-            <a:off x="2311399" y="4441295"/>
+            <a:off x="6980174" y="4441295"/>
             <a:ext cx="2921000" cy="1976581"/>
             <a:chOff x="2311399" y="4441295"/>
             <a:chExt cx="2921000" cy="1976581"/>
@@ -4253,10 +4269,10 @@
         </p:pic>
         <p:sp>
           <p:nvSpPr>
-            <p:cNvPr id="7" name="TextBox 6">
+            <p:cNvPr id="8" name="TextBox 7">
               <a:extLst>
                 <a:ext uri="{FF2B5EF4-FFF2-40B4-BE49-F238E27FC236}">
-                  <a16:creationId xmlns:a16="http://schemas.microsoft.com/office/drawing/2014/main" id="{2EB3D16D-9F1A-C21A-7281-4C622A89AC3E}"/>
+                  <a16:creationId xmlns:a16="http://schemas.microsoft.com/office/drawing/2014/main" id="{88736245-9A64-D3B3-C6C5-E59933C338B4}"/>
                 </a:ext>
               </a:extLst>
             </p:cNvPr>
@@ -4287,7 +4303,7 @@
                   <a:latin typeface="Arial" panose="020B0604020202020204" pitchFamily="34" charset="0"/>
                   <a:cs typeface="Arial" panose="020B0604020202020204" pitchFamily="34" charset="0"/>
                 </a:rPr>
-                <a:t>CLI</a:t>
+                <a:t>GUI</a:t>
               </a:r>
               <a:endParaRPr lang="en-PH" dirty="0">
                 <a:solidFill>
@@ -4300,10 +4316,10 @@
       </p:grpSp>
       <p:grpSp>
         <p:nvGrpSpPr>
-          <p:cNvPr id="13" name="Group 12">
-            <a:extLst>
-              <a:ext uri="{FF2B5EF4-FFF2-40B4-BE49-F238E27FC236}">
-                <a16:creationId xmlns:a16="http://schemas.microsoft.com/office/drawing/2014/main" id="{A6078343-47A1-39F3-1173-0B0DC71024C8}"/>
+          <p:cNvPr id="4" name="Group 3">
+            <a:extLst>
+              <a:ext uri="{FF2B5EF4-FFF2-40B4-BE49-F238E27FC236}">
+                <a16:creationId xmlns:a16="http://schemas.microsoft.com/office/drawing/2014/main" id="{0B443C01-14F4-30A7-A11C-6F9F81DA5938}"/>
               </a:ext>
             </a:extLst>
           </p:cNvPr>
@@ -4312,7 +4328,7 @@
         </p:nvGrpSpPr>
         <p:grpSpPr>
           <a:xfrm>
-            <a:off x="7103531" y="4441294"/>
+            <a:off x="2602365" y="4441294"/>
             <a:ext cx="2700867" cy="1976581"/>
             <a:chOff x="7103531" y="4441294"/>
             <a:chExt cx="2700867" cy="1976581"/>
@@ -4365,10 +4381,10 @@
         </p:pic>
         <p:sp>
           <p:nvSpPr>
-            <p:cNvPr id="8" name="TextBox 7">
+            <p:cNvPr id="7" name="TextBox 6">
               <a:extLst>
                 <a:ext uri="{FF2B5EF4-FFF2-40B4-BE49-F238E27FC236}">
-                  <a16:creationId xmlns:a16="http://schemas.microsoft.com/office/drawing/2014/main" id="{88736245-9A64-D3B3-C6C5-E59933C338B4}"/>
+                  <a16:creationId xmlns:a16="http://schemas.microsoft.com/office/drawing/2014/main" id="{2EB3D16D-9F1A-C21A-7281-4C622A89AC3E}"/>
                 </a:ext>
               </a:extLst>
             </p:cNvPr>
@@ -4377,7 +4393,7 @@
           </p:nvSpPr>
           <p:spPr>
             <a:xfrm>
-              <a:off x="7213602" y="5981314"/>
+              <a:off x="7155824" y="5981314"/>
               <a:ext cx="944034" cy="369332"/>
             </a:xfrm>
             <a:prstGeom prst="rect">
@@ -4399,7 +4415,7 @@
                   <a:latin typeface="Arial" panose="020B0604020202020204" pitchFamily="34" charset="0"/>
                   <a:cs typeface="Arial" panose="020B0604020202020204" pitchFamily="34" charset="0"/>
                 </a:rPr>
-                <a:t>GUI</a:t>
+                <a:t>CLI</a:t>
               </a:r>
               <a:endParaRPr lang="en-PH" dirty="0">
                 <a:solidFill>
@@ -4722,96 +4738,6 @@
                       </p:childTnLst>
                     </p:cTn>
                   </p:par>
-                  <p:par>
-                    <p:cTn id="27" fill="hold">
-                      <p:stCondLst>
-                        <p:cond delay="indefinite"/>
-                      </p:stCondLst>
-                      <p:childTnLst>
-                        <p:par>
-                          <p:cTn id="28" fill="hold">
-                            <p:stCondLst>
-                              <p:cond delay="0"/>
-                            </p:stCondLst>
-                            <p:childTnLst>
-                              <p:par>
-                                <p:cTn id="29" presetID="1" presetClass="entr" presetSubtype="0" fill="hold" nodeType="clickEffect">
-                                  <p:stCondLst>
-                                    <p:cond delay="0"/>
-                                  </p:stCondLst>
-                                  <p:childTnLst>
-                                    <p:set>
-                                      <p:cBhvr>
-                                        <p:cTn id="30" dur="1" fill="hold">
-                                          <p:stCondLst>
-                                            <p:cond delay="0"/>
-                                          </p:stCondLst>
-                                        </p:cTn>
-                                        <p:tgtEl>
-                                          <p:spTgt spid="12"/>
-                                        </p:tgtEl>
-                                        <p:attrNameLst>
-                                          <p:attrName>style.visibility</p:attrName>
-                                        </p:attrNameLst>
-                                      </p:cBhvr>
-                                      <p:to>
-                                        <p:strVal val="visible"/>
-                                      </p:to>
-                                    </p:set>
-                                  </p:childTnLst>
-                                </p:cTn>
-                              </p:par>
-                            </p:childTnLst>
-                          </p:cTn>
-                        </p:par>
-                      </p:childTnLst>
-                    </p:cTn>
-                  </p:par>
-                  <p:par>
-                    <p:cTn id="31" fill="hold">
-                      <p:stCondLst>
-                        <p:cond delay="indefinite"/>
-                      </p:stCondLst>
-                      <p:childTnLst>
-                        <p:par>
-                          <p:cTn id="32" fill="hold">
-                            <p:stCondLst>
-                              <p:cond delay="0"/>
-                            </p:stCondLst>
-                            <p:childTnLst>
-                              <p:par>
-                                <p:cTn id="33" presetID="1" presetClass="entr" presetSubtype="0" fill="hold" nodeType="clickEffect">
-                                  <p:stCondLst>
-                                    <p:cond delay="0"/>
-                                  </p:stCondLst>
-                                  <p:childTnLst>
-                                    <p:set>
-                                      <p:cBhvr>
-                                        <p:cTn id="34" dur="1" fill="hold">
-                                          <p:stCondLst>
-                                            <p:cond delay="0"/>
-                                          </p:stCondLst>
-                                        </p:cTn>
-                                        <p:tgtEl>
-                                          <p:spTgt spid="13"/>
-                                        </p:tgtEl>
-                                        <p:attrNameLst>
-                                          <p:attrName>style.visibility</p:attrName>
-                                        </p:attrNameLst>
-                                      </p:cBhvr>
-                                      <p:to>
-                                        <p:strVal val="visible"/>
-                                      </p:to>
-                                    </p:set>
-                                  </p:childTnLst>
-                                </p:cTn>
-                              </p:par>
-                            </p:childTnLst>
-                          </p:cTn>
-                        </p:par>
-                      </p:childTnLst>
-                    </p:cTn>
-                  </p:par>
                 </p:childTnLst>
               </p:cTn>
               <p:prevCondLst>
@@ -5945,13 +5871,13 @@
   <p:clrMapOvr>
     <a:masterClrMapping/>
   </p:clrMapOvr>
-  <mc:AlternateContent xmlns:mc="http://schemas.openxmlformats.org/markup-compatibility/2006">
-    <mc:Choice xmlns:p159="http://schemas.microsoft.com/office/powerpoint/2015/09/main" Requires="p159">
+  <mc:AlternateContent xmlns:mc="http://schemas.openxmlformats.org/markup-compatibility/2006" xmlns:p159="http://schemas.microsoft.com/office/powerpoint/2015/09/main">
+    <mc:Choice Requires="p159">
       <p:transition>
         <p159:morph option="byObject"/>
       </p:transition>
     </mc:Choice>
-    <mc:Fallback>
+    <mc:Fallback xmlns="">
       <p:transition>
         <p:fade/>
       </p:transition>
@@ -6388,13 +6314,13 @@
   <p:clrMapOvr>
     <a:masterClrMapping/>
   </p:clrMapOvr>
-  <mc:AlternateContent xmlns:mc="http://schemas.openxmlformats.org/markup-compatibility/2006">
-    <mc:Choice xmlns:p159="http://schemas.microsoft.com/office/powerpoint/2015/09/main" Requires="p159">
+  <mc:AlternateContent xmlns:mc="http://schemas.openxmlformats.org/markup-compatibility/2006" xmlns:p159="http://schemas.microsoft.com/office/powerpoint/2015/09/main">
+    <mc:Choice Requires="p159">
       <p:transition>
         <p159:morph option="byObject"/>
       </p:transition>
     </mc:Choice>
-    <mc:Fallback>
+    <mc:Fallback xmlns="">
       <p:transition>
         <p:fade/>
       </p:transition>
@@ -6777,13 +6703,13 @@
   <p:clrMapOvr>
     <a:masterClrMapping/>
   </p:clrMapOvr>
-  <mc:AlternateContent xmlns:mc="http://schemas.openxmlformats.org/markup-compatibility/2006">
-    <mc:Choice xmlns:p159="http://schemas.microsoft.com/office/powerpoint/2015/09/main" Requires="p159">
+  <mc:AlternateContent xmlns:mc="http://schemas.openxmlformats.org/markup-compatibility/2006" xmlns:p159="http://schemas.microsoft.com/office/powerpoint/2015/09/main">
+    <mc:Choice Requires="p159">
       <p:transition>
         <p159:morph option="byObject"/>
       </p:transition>
     </mc:Choice>
-    <mc:Fallback>
+    <mc:Fallback xmlns="">
       <p:transition>
         <p:fade/>
       </p:transition>
